--- a/工作日報_葉柏漢/2021.09/2021.09.13(加班)~2021.09.14工作日報_葉柏漢.pptx
+++ b/工作日報_葉柏漢/2021.09/2021.09.13(加班)~2021.09.14工作日報_葉柏漢.pptx
@@ -114,7 +114,7 @@
   </p:defaultTextStyle>
   <p:extLst>
     <p:ext uri="{EFAFB233-063F-42B5-8137-9DF3F51BA10A}">
-      <p15:sldGuideLst xmlns:p15="http://schemas.microsoft.com/office/powerpoint/2012/main" xmlns="">
+      <p15:sldGuideLst xmlns="" xmlns:p15="http://schemas.microsoft.com/office/powerpoint/2012/main">
         <p15:guide id="1" orient="horz" pos="2160" userDrawn="1">
           <p15:clr>
             <a:srgbClr val="A4A3A4"/>
@@ -213,7 +213,7 @@
           <a:p>
             <a:fld id="{5F45278C-940B-4C39-9CBC-669F45D4F0E2}" type="datetimeFigureOut">
               <a:rPr lang="zh-CN" altLang="en-US" smtClean="0"/>
-              <a:t>2021/9/13</a:t>
+              <a:t>2021/9/14</a:t>
             </a:fld>
             <a:endParaRPr lang="zh-CN" altLang="en-US"/>
           </a:p>
@@ -610,7 +610,7 @@
           <a:p>
             <a:fld id="{D997B5FA-0921-464F-AAE1-844C04324D75}" type="datetimeFigureOut">
               <a:rPr lang="zh-CN" altLang="en-US" smtClean="0"/>
-              <a:t>2021/9/13</a:t>
+              <a:t>2021/9/14</a:t>
             </a:fld>
             <a:endParaRPr lang="zh-CN" altLang="en-US"/>
           </a:p>
@@ -790,7 +790,7 @@
           <a:p>
             <a:fld id="{D997B5FA-0921-464F-AAE1-844C04324D75}" type="datetimeFigureOut">
               <a:rPr lang="zh-CN" altLang="en-US" smtClean="0"/>
-              <a:t>2021/9/13</a:t>
+              <a:t>2021/9/14</a:t>
             </a:fld>
             <a:endParaRPr lang="zh-CN" altLang="en-US"/>
           </a:p>
@@ -980,7 +980,7 @@
           <a:p>
             <a:fld id="{D997B5FA-0921-464F-AAE1-844C04324D75}" type="datetimeFigureOut">
               <a:rPr lang="zh-CN" altLang="en-US" smtClean="0"/>
-              <a:t>2021/9/13</a:t>
+              <a:t>2021/9/14</a:t>
             </a:fld>
             <a:endParaRPr lang="zh-CN" altLang="en-US"/>
           </a:p>
@@ -1191,7 +1191,7 @@
                 </a:solidFill>
               </a:rPr>
               <a:pPr/>
-              <a:t>2021/9/13</a:t>
+              <a:t>2021/9/14</a:t>
             </a:fld>
             <a:endParaRPr lang="zh-CN" altLang="en-US">
               <a:solidFill>
@@ -1423,7 +1423,7 @@
                 </a:solidFill>
               </a:rPr>
               <a:pPr/>
-              <a:t>2021/9/13</a:t>
+              <a:t>2021/9/14</a:t>
             </a:fld>
             <a:endParaRPr lang="zh-CN" altLang="en-US">
               <a:solidFill>
@@ -1654,7 +1654,7 @@
           <a:p>
             <a:fld id="{D997B5FA-0921-464F-AAE1-844C04324D75}" type="datetimeFigureOut">
               <a:rPr lang="zh-CN" altLang="en-US" smtClean="0"/>
-              <a:t>2021/9/13</a:t>
+              <a:t>2021/9/14</a:t>
             </a:fld>
             <a:endParaRPr lang="zh-CN" altLang="en-US"/>
           </a:p>
@@ -1911,7 +1911,7 @@
           <a:p>
             <a:fld id="{D997B5FA-0921-464F-AAE1-844C04324D75}" type="datetimeFigureOut">
               <a:rPr lang="zh-CN" altLang="en-US" smtClean="0"/>
-              <a:t>2021/9/13</a:t>
+              <a:t>2021/9/14</a:t>
             </a:fld>
             <a:endParaRPr lang="zh-CN" altLang="en-US"/>
           </a:p>
@@ -2152,7 +2152,7 @@
           <a:p>
             <a:fld id="{D997B5FA-0921-464F-AAE1-844C04324D75}" type="datetimeFigureOut">
               <a:rPr lang="zh-CN" altLang="en-US" smtClean="0"/>
-              <a:t>2021/9/13</a:t>
+              <a:t>2021/9/14</a:t>
             </a:fld>
             <a:endParaRPr lang="zh-CN" altLang="en-US"/>
           </a:p>
@@ -2528,7 +2528,7 @@
           <a:p>
             <a:fld id="{D997B5FA-0921-464F-AAE1-844C04324D75}" type="datetimeFigureOut">
               <a:rPr lang="zh-CN" altLang="en-US" smtClean="0"/>
-              <a:t>2021/9/13</a:t>
+              <a:t>2021/9/14</a:t>
             </a:fld>
             <a:endParaRPr lang="zh-CN" altLang="en-US"/>
           </a:p>
@@ -2782,7 +2782,7 @@
           <a:p>
             <a:fld id="{D997B5FA-0921-464F-AAE1-844C04324D75}" type="datetimeFigureOut">
               <a:rPr lang="zh-CN" altLang="en-US" smtClean="0"/>
-              <a:t>2021/9/13</a:t>
+              <a:t>2021/9/14</a:t>
             </a:fld>
             <a:endParaRPr lang="zh-CN" altLang="en-US"/>
           </a:p>
@@ -2889,7 +2889,7 @@
           <a:p>
             <a:fld id="{D997B5FA-0921-464F-AAE1-844C04324D75}" type="datetimeFigureOut">
               <a:rPr lang="zh-CN" altLang="en-US" smtClean="0"/>
-              <a:t>2021/9/13</a:t>
+              <a:t>2021/9/14</a:t>
             </a:fld>
             <a:endParaRPr lang="zh-CN" altLang="en-US"/>
           </a:p>
@@ -3176,7 +3176,7 @@
           <a:p>
             <a:fld id="{D997B5FA-0921-464F-AAE1-844C04324D75}" type="datetimeFigureOut">
               <a:rPr lang="zh-CN" altLang="en-US" smtClean="0"/>
-              <a:t>2021/9/13</a:t>
+              <a:t>2021/9/14</a:t>
             </a:fld>
             <a:endParaRPr lang="zh-CN" altLang="en-US"/>
           </a:p>
@@ -3440,7 +3440,7 @@
           <a:p>
             <a:fld id="{D997B5FA-0921-464F-AAE1-844C04324D75}" type="datetimeFigureOut">
               <a:rPr lang="zh-CN" altLang="en-US" smtClean="0"/>
-              <a:t>2021/9/13</a:t>
+              <a:t>2021/9/14</a:t>
             </a:fld>
             <a:endParaRPr lang="zh-CN" altLang="en-US"/>
           </a:p>
@@ -3666,7 +3666,7 @@
           <a:p>
             <a:fld id="{D997B5FA-0921-464F-AAE1-844C04324D75}" type="datetimeFigureOut">
               <a:rPr lang="zh-CN" altLang="en-US" smtClean="0"/>
-              <a:t>2021/9/13</a:t>
+              <a:t>2021/9/14</a:t>
             </a:fld>
             <a:endParaRPr lang="zh-CN" altLang="en-US"/>
           </a:p>
@@ -4376,7 +4376,7 @@
           <p:cNvPr id="18" name="矩形: 圆角 17">
             <a:extLst>
               <a:ext uri="{FF2B5EF4-FFF2-40B4-BE49-F238E27FC236}">
-                <a16:creationId xmlns:a16="http://schemas.microsoft.com/office/drawing/2014/main" xmlns="" id="{822EAB1A-0613-4B84-B43A-020769A84C2F}"/>
+                <a16:creationId xmlns="" xmlns:a16="http://schemas.microsoft.com/office/drawing/2014/main" id="{822EAB1A-0613-4B84-B43A-020769A84C2F}"/>
               </a:ext>
             </a:extLst>
           </p:cNvPr>
@@ -4442,7 +4442,7 @@
           <p:cNvPr id="4" name="矩形: 圆角 3">
             <a:extLst>
               <a:ext uri="{FF2B5EF4-FFF2-40B4-BE49-F238E27FC236}">
-                <a16:creationId xmlns:a16="http://schemas.microsoft.com/office/drawing/2014/main" xmlns="" id="{CFAF4C25-9AB4-4329-B21C-0F7CB88F0784}"/>
+                <a16:creationId xmlns="" xmlns:a16="http://schemas.microsoft.com/office/drawing/2014/main" id="{CFAF4C25-9AB4-4329-B21C-0F7CB88F0784}"/>
               </a:ext>
             </a:extLst>
           </p:cNvPr>
@@ -4508,7 +4508,7 @@
           <p:cNvPr id="5" name="文本框 4">
             <a:extLst>
               <a:ext uri="{FF2B5EF4-FFF2-40B4-BE49-F238E27FC236}">
-                <a16:creationId xmlns:a16="http://schemas.microsoft.com/office/drawing/2014/main" xmlns="" id="{959F8909-6800-4D81-9559-FFAEB41A80C1}"/>
+                <a16:creationId xmlns="" xmlns:a16="http://schemas.microsoft.com/office/drawing/2014/main" id="{959F8909-6800-4D81-9559-FFAEB41A80C1}"/>
               </a:ext>
             </a:extLst>
           </p:cNvPr>
@@ -4586,7 +4586,7 @@
           <p:cNvPr id="6" name="文本框 5">
             <a:extLst>
               <a:ext uri="{FF2B5EF4-FFF2-40B4-BE49-F238E27FC236}">
-                <a16:creationId xmlns:a16="http://schemas.microsoft.com/office/drawing/2014/main" xmlns="" id="{F8829203-F363-4337-ACAC-0D2C4AE6A337}"/>
+                <a16:creationId xmlns="" xmlns:a16="http://schemas.microsoft.com/office/drawing/2014/main" id="{F8829203-F363-4337-ACAC-0D2C4AE6A337}"/>
               </a:ext>
             </a:extLst>
           </p:cNvPr>
@@ -4653,7 +4653,7 @@
           <p:cNvPr id="8" name="椭圆 7">
             <a:extLst>
               <a:ext uri="{FF2B5EF4-FFF2-40B4-BE49-F238E27FC236}">
-                <a16:creationId xmlns:a16="http://schemas.microsoft.com/office/drawing/2014/main" xmlns="" id="{08B93554-9443-4291-83BC-91BEC5088783}"/>
+                <a16:creationId xmlns="" xmlns:a16="http://schemas.microsoft.com/office/drawing/2014/main" id="{08B93554-9443-4291-83BC-91BEC5088783}"/>
               </a:ext>
             </a:extLst>
           </p:cNvPr>
@@ -4715,7 +4715,7 @@
           <p:cNvPr id="9" name="椭圆 8">
             <a:extLst>
               <a:ext uri="{FF2B5EF4-FFF2-40B4-BE49-F238E27FC236}">
-                <a16:creationId xmlns:a16="http://schemas.microsoft.com/office/drawing/2014/main" xmlns="" id="{16338DEE-2916-4AC7-A537-1507B9F2A824}"/>
+                <a16:creationId xmlns="" xmlns:a16="http://schemas.microsoft.com/office/drawing/2014/main" id="{16338DEE-2916-4AC7-A537-1507B9F2A824}"/>
               </a:ext>
             </a:extLst>
           </p:cNvPr>
@@ -4777,7 +4777,7 @@
           <p:cNvPr id="13" name="组合 12">
             <a:extLst>
               <a:ext uri="{FF2B5EF4-FFF2-40B4-BE49-F238E27FC236}">
-                <a16:creationId xmlns:a16="http://schemas.microsoft.com/office/drawing/2014/main" xmlns="" id="{C0EF9AE3-F1B9-443C-9F86-CDF322936010}"/>
+                <a16:creationId xmlns="" xmlns:a16="http://schemas.microsoft.com/office/drawing/2014/main" id="{C0EF9AE3-F1B9-443C-9F86-CDF322936010}"/>
               </a:ext>
             </a:extLst>
           </p:cNvPr>
@@ -4797,7 +4797,7 @@
             <p:cNvPr id="12" name="矩形: 圆角 11">
               <a:extLst>
                 <a:ext uri="{FF2B5EF4-FFF2-40B4-BE49-F238E27FC236}">
-                  <a16:creationId xmlns:a16="http://schemas.microsoft.com/office/drawing/2014/main" xmlns="" id="{4E9D624C-B884-49D6-955A-058878E5E13C}"/>
+                  <a16:creationId xmlns="" xmlns:a16="http://schemas.microsoft.com/office/drawing/2014/main" id="{4E9D624C-B884-49D6-955A-058878E5E13C}"/>
                 </a:ext>
               </a:extLst>
             </p:cNvPr>
@@ -4861,7 +4861,7 @@
             <p:cNvPr id="10" name="文本框 9">
               <a:extLst>
                 <a:ext uri="{FF2B5EF4-FFF2-40B4-BE49-F238E27FC236}">
-                  <a16:creationId xmlns:a16="http://schemas.microsoft.com/office/drawing/2014/main" xmlns="" id="{D7F488F0-218D-4123-B444-742EAD00AD0E}"/>
+                  <a16:creationId xmlns="" xmlns:a16="http://schemas.microsoft.com/office/drawing/2014/main" id="{D7F488F0-218D-4123-B444-742EAD00AD0E}"/>
                 </a:ext>
               </a:extLst>
             </p:cNvPr>
@@ -4919,7 +4919,7 @@
           <p:cNvPr id="16" name="组合 15">
             <a:extLst>
               <a:ext uri="{FF2B5EF4-FFF2-40B4-BE49-F238E27FC236}">
-                <a16:creationId xmlns:a16="http://schemas.microsoft.com/office/drawing/2014/main" xmlns="" id="{9653DEAF-0910-48E8-8375-9FC078E9D0D6}"/>
+                <a16:creationId xmlns="" xmlns:a16="http://schemas.microsoft.com/office/drawing/2014/main" id="{9653DEAF-0910-48E8-8375-9FC078E9D0D6}"/>
               </a:ext>
             </a:extLst>
           </p:cNvPr>
@@ -4939,7 +4939,7 @@
             <p:cNvPr id="15" name="矩形: 圆角 14">
               <a:extLst>
                 <a:ext uri="{FF2B5EF4-FFF2-40B4-BE49-F238E27FC236}">
-                  <a16:creationId xmlns:a16="http://schemas.microsoft.com/office/drawing/2014/main" xmlns="" id="{CC29E14A-0550-4BFF-99D2-A94938E4EB84}"/>
+                  <a16:creationId xmlns="" xmlns:a16="http://schemas.microsoft.com/office/drawing/2014/main" id="{CC29E14A-0550-4BFF-99D2-A94938E4EB84}"/>
                 </a:ext>
               </a:extLst>
             </p:cNvPr>
@@ -5003,7 +5003,7 @@
             <p:cNvPr id="11" name="文本框 10">
               <a:extLst>
                 <a:ext uri="{FF2B5EF4-FFF2-40B4-BE49-F238E27FC236}">
-                  <a16:creationId xmlns:a16="http://schemas.microsoft.com/office/drawing/2014/main" xmlns="" id="{333307C3-A861-42E7-A2DA-6BAC1BCA9E3C}"/>
+                  <a16:creationId xmlns="" xmlns:a16="http://schemas.microsoft.com/office/drawing/2014/main" id="{333307C3-A861-42E7-A2DA-6BAC1BCA9E3C}"/>
                 </a:ext>
               </a:extLst>
             </p:cNvPr>
@@ -5061,7 +5061,7 @@
           <p:cNvPr id="17" name="组合 15">
             <a:extLst>
               <a:ext uri="{FF2B5EF4-FFF2-40B4-BE49-F238E27FC236}">
-                <a16:creationId xmlns:a16="http://schemas.microsoft.com/office/drawing/2014/main" xmlns="" id="{9653DEAF-0910-48E8-8375-9FC078E9D0D6}"/>
+                <a16:creationId xmlns="" xmlns:a16="http://schemas.microsoft.com/office/drawing/2014/main" id="{9653DEAF-0910-48E8-8375-9FC078E9D0D6}"/>
               </a:ext>
             </a:extLst>
           </p:cNvPr>
@@ -5081,7 +5081,7 @@
             <p:cNvPr id="19" name="矩形: 圆角 14">
               <a:extLst>
                 <a:ext uri="{FF2B5EF4-FFF2-40B4-BE49-F238E27FC236}">
-                  <a16:creationId xmlns:a16="http://schemas.microsoft.com/office/drawing/2014/main" xmlns="" id="{CC29E14A-0550-4BFF-99D2-A94938E4EB84}"/>
+                  <a16:creationId xmlns="" xmlns:a16="http://schemas.microsoft.com/office/drawing/2014/main" id="{CC29E14A-0550-4BFF-99D2-A94938E4EB84}"/>
                 </a:ext>
               </a:extLst>
             </p:cNvPr>
@@ -5145,7 +5145,7 @@
             <p:cNvPr id="20" name="文本框 10">
               <a:extLst>
                 <a:ext uri="{FF2B5EF4-FFF2-40B4-BE49-F238E27FC236}">
-                  <a16:creationId xmlns:a16="http://schemas.microsoft.com/office/drawing/2014/main" xmlns="" id="{333307C3-A861-42E7-A2DA-6BAC1BCA9E3C}"/>
+                  <a16:creationId xmlns="" xmlns:a16="http://schemas.microsoft.com/office/drawing/2014/main" id="{333307C3-A861-42E7-A2DA-6BAC1BCA9E3C}"/>
                 </a:ext>
               </a:extLst>
             </p:cNvPr>
@@ -5238,7 +5238,7 @@
         <p:random/>
       </p:transition>
     </mc:Choice>
-    <mc:Fallback xmlns="" xmlns:a16="http://schemas.microsoft.com/office/drawing/2014/main">
+    <mc:Fallback xmlns:a16="http://schemas.microsoft.com/office/drawing/2014/main" xmlns="">
       <p:transition spd="slow" advTm="4078">
         <p:random/>
       </p:transition>
@@ -5695,7 +5695,7 @@
           <p:cNvPr id="7" name="组合 6">
             <a:extLst>
               <a:ext uri="{FF2B5EF4-FFF2-40B4-BE49-F238E27FC236}">
-                <a16:creationId xmlns:a16="http://schemas.microsoft.com/office/drawing/2014/main" xmlns="" id="{5016DF47-4C78-4917-983C-FFC43C3A22DB}"/>
+                <a16:creationId xmlns="" xmlns:a16="http://schemas.microsoft.com/office/drawing/2014/main" id="{5016DF47-4C78-4917-983C-FFC43C3A22DB}"/>
               </a:ext>
             </a:extLst>
           </p:cNvPr>
@@ -5715,7 +5715,7 @@
             <p:cNvPr id="4" name="文本框 3">
               <a:extLst>
                 <a:ext uri="{FF2B5EF4-FFF2-40B4-BE49-F238E27FC236}">
-                  <a16:creationId xmlns:a16="http://schemas.microsoft.com/office/drawing/2014/main" xmlns="" id="{09FE6907-8676-429A-9B5A-DC3FAFE110A8}"/>
+                  <a16:creationId xmlns="" xmlns:a16="http://schemas.microsoft.com/office/drawing/2014/main" id="{09FE6907-8676-429A-9B5A-DC3FAFE110A8}"/>
                 </a:ext>
               </a:extLst>
             </p:cNvPr>
@@ -5757,7 +5757,7 @@
             <p:cNvPr id="6" name="文本框 5">
               <a:extLst>
                 <a:ext uri="{FF2B5EF4-FFF2-40B4-BE49-F238E27FC236}">
-                  <a16:creationId xmlns:a16="http://schemas.microsoft.com/office/drawing/2014/main" xmlns="" id="{6123FD62-F930-464F-86A1-4D1030B58358}"/>
+                  <a16:creationId xmlns="" xmlns:a16="http://schemas.microsoft.com/office/drawing/2014/main" id="{6123FD62-F930-464F-86A1-4D1030B58358}"/>
                 </a:ext>
               </a:extLst>
             </p:cNvPr>
@@ -5814,7 +5814,7 @@
           <p:cNvPr id="8" name="文本框 7">
             <a:extLst>
               <a:ext uri="{FF2B5EF4-FFF2-40B4-BE49-F238E27FC236}">
-                <a16:creationId xmlns:a16="http://schemas.microsoft.com/office/drawing/2014/main" xmlns="" id="{61D68AC2-6217-4618-9FF2-2840E7AAD8C2}"/>
+                <a16:creationId xmlns="" xmlns:a16="http://schemas.microsoft.com/office/drawing/2014/main" id="{61D68AC2-6217-4618-9FF2-2840E7AAD8C2}"/>
               </a:ext>
             </a:extLst>
           </p:cNvPr>
@@ -5824,7 +5824,7 @@
         <p:spPr>
           <a:xfrm>
             <a:off x="213983" y="2681640"/>
-            <a:ext cx="6480116" cy="400110"/>
+            <a:ext cx="6480116" cy="1015663"/>
           </a:xfrm>
           <a:prstGeom prst="rect">
             <a:avLst/>
@@ -5868,6 +5868,43 @@
                 <a:sym typeface="+mn-lt"/>
               </a:rPr>
               <a:t>)</a:t>
+            </a:r>
+          </a:p>
+          <a:p>
+            <a:pPr marL="342900" indent="-342900">
+              <a:buFont typeface="Wingdings" panose="05000000000000000000" pitchFamily="2" charset="2"/>
+              <a:buChar char="l"/>
+            </a:pPr>
+            <a:endParaRPr lang="en-US" altLang="zh-TW" sz="2000" spc="400" dirty="0">
+              <a:cs typeface="+mn-ea"/>
+              <a:sym typeface="+mn-lt"/>
+            </a:endParaRPr>
+          </a:p>
+          <a:p>
+            <a:pPr marL="342900" indent="-342900">
+              <a:buFont typeface="Wingdings" panose="05000000000000000000" pitchFamily="2" charset="2"/>
+              <a:buChar char="l"/>
+            </a:pPr>
+            <a:r>
+              <a:rPr lang="zh-TW" altLang="en-US" sz="2000" spc="400" dirty="0" smtClean="0">
+                <a:cs typeface="+mn-ea"/>
+                <a:sym typeface="+mn-lt"/>
+              </a:rPr>
+              <a:t>新增</a:t>
+            </a:r>
+            <a:r>
+              <a:rPr lang="zh-TW" altLang="en-US" sz="2000" spc="400" dirty="0">
+                <a:cs typeface="+mn-ea"/>
+                <a:sym typeface="+mn-lt"/>
+              </a:rPr>
+              <a:t>光溫</a:t>
+            </a:r>
+            <a:r>
+              <a:rPr lang="zh-TW" altLang="en-US" sz="2000" spc="400" dirty="0" smtClean="0">
+                <a:cs typeface="+mn-ea"/>
+                <a:sym typeface="+mn-lt"/>
+              </a:rPr>
+              <a:t>控表格</a:t>
             </a:r>
             <a:endParaRPr lang="en-US" altLang="zh-TW" sz="2000" spc="400" dirty="0" smtClean="0">
               <a:cs typeface="+mn-ea"/>
@@ -5925,7 +5962,7 @@
         <p:random/>
       </p:transition>
     </mc:Choice>
-    <mc:Fallback xmlns="" xmlns:a16="http://schemas.microsoft.com/office/drawing/2014/main" xmlns:a14="http://schemas.microsoft.com/office/drawing/2010/main">
+    <mc:Fallback xmlns:a14="http://schemas.microsoft.com/office/drawing/2010/main" xmlns:a16="http://schemas.microsoft.com/office/drawing/2014/main" xmlns="">
       <p:transition spd="slow" advTm="4024">
         <p:random/>
       </p:transition>
@@ -6095,7 +6132,7 @@
           <p:cNvPr id="2" name="矩形 1">
             <a:extLst>
               <a:ext uri="{FF2B5EF4-FFF2-40B4-BE49-F238E27FC236}">
-                <a16:creationId xmlns:a16="http://schemas.microsoft.com/office/drawing/2014/main" xmlns="" id="{6130B33B-FCB5-4AFA-8175-BA08126D80E1}"/>
+                <a16:creationId xmlns="" xmlns:a16="http://schemas.microsoft.com/office/drawing/2014/main" id="{6130B33B-FCB5-4AFA-8175-BA08126D80E1}"/>
               </a:ext>
             </a:extLst>
           </p:cNvPr>
@@ -6153,7 +6190,7 @@
           <p:cNvPr id="3" name="组合 2">
             <a:extLst>
               <a:ext uri="{FF2B5EF4-FFF2-40B4-BE49-F238E27FC236}">
-                <a16:creationId xmlns:a16="http://schemas.microsoft.com/office/drawing/2014/main" xmlns="" id="{CF3B8F59-C87E-48F7-911B-3FCC3B1922F9}"/>
+                <a16:creationId xmlns="" xmlns:a16="http://schemas.microsoft.com/office/drawing/2014/main" id="{CF3B8F59-C87E-48F7-911B-3FCC3B1922F9}"/>
               </a:ext>
             </a:extLst>
           </p:cNvPr>
@@ -6173,7 +6210,7 @@
             <p:cNvPr id="4" name="文本框 3">
               <a:extLst>
                 <a:ext uri="{FF2B5EF4-FFF2-40B4-BE49-F238E27FC236}">
-                  <a16:creationId xmlns:a16="http://schemas.microsoft.com/office/drawing/2014/main" xmlns="" id="{F069F7C5-7C6B-4416-BA43-7E9FF2B95F70}"/>
+                  <a16:creationId xmlns="" xmlns:a16="http://schemas.microsoft.com/office/drawing/2014/main" id="{F069F7C5-7C6B-4416-BA43-7E9FF2B95F70}"/>
                 </a:ext>
               </a:extLst>
             </p:cNvPr>
@@ -6208,7 +6245,14 @@
                   <a:cs typeface="+mn-ea"/>
                   <a:sym typeface="+mn-lt"/>
                 </a:rPr>
-                <a:t>  強制登入功能</a:t>
+                <a:t>  </a:t>
+              </a:r>
+              <a:r>
+                <a:rPr lang="zh-TW" altLang="en-US" sz="4000" spc="400" dirty="0" smtClean="0">
+                  <a:cs typeface="+mn-ea"/>
+                  <a:sym typeface="+mn-lt"/>
+                </a:rPr>
+                <a:t>新增光溫控表格</a:t>
               </a:r>
               <a:endParaRPr lang="en-US" altLang="zh-TW" sz="4000" spc="400" dirty="0">
                 <a:cs typeface="+mn-ea"/>
@@ -6222,7 +6266,7 @@
             <p:cNvPr id="5" name="文本框 4">
               <a:extLst>
                 <a:ext uri="{FF2B5EF4-FFF2-40B4-BE49-F238E27FC236}">
-                  <a16:creationId xmlns:a16="http://schemas.microsoft.com/office/drawing/2014/main" xmlns="" id="{E7404F6D-3A40-4203-8F0A-6169C74FB4CA}"/>
+                  <a16:creationId xmlns="" xmlns:a16="http://schemas.microsoft.com/office/drawing/2014/main" id="{E7404F6D-3A40-4203-8F0A-6169C74FB4CA}"/>
                 </a:ext>
               </a:extLst>
             </p:cNvPr>
@@ -6268,6 +6312,310 @@
           </p:txBody>
         </p:sp>
       </p:grpSp>
+      <p:pic>
+        <p:nvPicPr>
+          <p:cNvPr id="1026" name="Picture 2"/>
+          <p:cNvPicPr>
+            <a:picLocks noChangeAspect="1" noChangeArrowheads="1"/>
+          </p:cNvPicPr>
+          <p:nvPr/>
+        </p:nvPicPr>
+        <p:blipFill>
+          <a:blip r:embed="rId2">
+            <a:extLst>
+              <a:ext uri="{28A0092B-C50C-407E-A947-70E740481C1C}">
+                <a14:useLocalDpi xmlns:a14="http://schemas.microsoft.com/office/drawing/2010/main" val="0"/>
+              </a:ext>
+            </a:extLst>
+          </a:blip>
+          <a:srcRect/>
+          <a:stretch>
+            <a:fillRect/>
+          </a:stretch>
+        </p:blipFill>
+        <p:spPr bwMode="auto">
+          <a:xfrm>
+            <a:off x="1001786" y="1535561"/>
+            <a:ext cx="10375245" cy="5071259"/>
+          </a:xfrm>
+          <a:prstGeom prst="rect">
+            <a:avLst/>
+          </a:prstGeom>
+          <a:noFill/>
+          <a:ln>
+            <a:noFill/>
+          </a:ln>
+          <a:extLst>
+            <a:ext uri="{909E8E84-426E-40DD-AFC4-6F175D3DCCD1}">
+              <a14:hiddenFill xmlns:a14="http://schemas.microsoft.com/office/drawing/2010/main">
+                <a:solidFill>
+                  <a:schemeClr val="accent1"/>
+                </a:solidFill>
+              </a14:hiddenFill>
+            </a:ext>
+            <a:ext uri="{91240B29-F687-4F45-9708-019B960494DF}">
+              <a14:hiddenLine xmlns:a14="http://schemas.microsoft.com/office/drawing/2010/main" w="9525">
+                <a:solidFill>
+                  <a:schemeClr val="tx1"/>
+                </a:solidFill>
+                <a:miter lim="800000"/>
+                <a:headEnd/>
+                <a:tailEnd/>
+              </a14:hiddenLine>
+            </a:ext>
+          </a:extLst>
+        </p:spPr>
+      </p:pic>
+      <p:sp>
+        <p:nvSpPr>
+          <p:cNvPr id="6" name="矩形 5"/>
+          <p:cNvSpPr/>
+          <p:nvPr/>
+        </p:nvSpPr>
+        <p:spPr>
+          <a:xfrm>
+            <a:off x="153824" y="3221764"/>
+            <a:ext cx="2922662" cy="1461331"/>
+          </a:xfrm>
+          <a:prstGeom prst="rect">
+            <a:avLst/>
+          </a:prstGeom>
+        </p:spPr>
+        <p:style>
+          <a:lnRef idx="2">
+            <a:schemeClr val="accent1">
+              <a:shade val="50000"/>
+            </a:schemeClr>
+          </a:lnRef>
+          <a:fillRef idx="1">
+            <a:schemeClr val="accent1"/>
+          </a:fillRef>
+          <a:effectRef idx="0">
+            <a:schemeClr val="accent1"/>
+          </a:effectRef>
+          <a:fontRef idx="minor">
+            <a:schemeClr val="lt1"/>
+          </a:fontRef>
+        </p:style>
+        <p:txBody>
+          <a:bodyPr rtlCol="0" anchor="ctr"/>
+          <a:lstStyle/>
+          <a:p>
+            <a:pPr algn="ctr"/>
+            <a:endParaRPr lang="zh-TW" altLang="en-US"/>
+          </a:p>
+        </p:txBody>
+      </p:sp>
+      <p:sp>
+        <p:nvSpPr>
+          <p:cNvPr id="7" name="文字方塊 6"/>
+          <p:cNvSpPr txBox="1"/>
+          <p:nvPr/>
+        </p:nvSpPr>
+        <p:spPr>
+          <a:xfrm>
+            <a:off x="153824" y="3349951"/>
+            <a:ext cx="3255948" cy="1200329"/>
+          </a:xfrm>
+          <a:prstGeom prst="rect">
+            <a:avLst/>
+          </a:prstGeom>
+          <a:noFill/>
+        </p:spPr>
+        <p:txBody>
+          <a:bodyPr wrap="square" rtlCol="0">
+            <a:spAutoFit/>
+          </a:bodyPr>
+          <a:lstStyle/>
+          <a:p>
+            <a:r>
+              <a:rPr lang="zh-TW" altLang="en-US" dirty="0" smtClean="0"/>
+              <a:t>新增光控溫控的圖表與表格</a:t>
+            </a:r>
+            <a:endParaRPr lang="en-US" altLang="zh-TW" dirty="0" smtClean="0"/>
+          </a:p>
+          <a:p>
+            <a:endParaRPr lang="en-US" altLang="zh-TW" dirty="0"/>
+          </a:p>
+          <a:p>
+            <a:r>
+              <a:rPr lang="zh-TW" altLang="en-US" dirty="0" smtClean="0"/>
+              <a:t>溫控分析的表格數值錯誤</a:t>
+            </a:r>
+            <a:endParaRPr lang="en-US" altLang="zh-TW" dirty="0" smtClean="0"/>
+          </a:p>
+          <a:p>
+            <a:r>
+              <a:rPr lang="zh-TW" altLang="en-US" dirty="0" smtClean="0"/>
+              <a:t>還未</a:t>
+            </a:r>
+            <a:r>
+              <a:rPr lang="zh-TW" altLang="en-US" dirty="0"/>
+              <a:t>修改</a:t>
+            </a:r>
+          </a:p>
+        </p:txBody>
+      </p:sp>
+      <p:sp>
+        <p:nvSpPr>
+          <p:cNvPr id="8" name="矩形 7"/>
+          <p:cNvSpPr/>
+          <p:nvPr/>
+        </p:nvSpPr>
+        <p:spPr>
+          <a:xfrm>
+            <a:off x="6464893" y="4982199"/>
+            <a:ext cx="329014" cy="1034041"/>
+          </a:xfrm>
+          <a:prstGeom prst="rect">
+            <a:avLst/>
+          </a:prstGeom>
+          <a:noFill/>
+          <a:ln w="38100">
+            <a:solidFill>
+              <a:srgbClr val="FF0000"/>
+            </a:solidFill>
+          </a:ln>
+        </p:spPr>
+        <p:style>
+          <a:lnRef idx="2">
+            <a:schemeClr val="accent1">
+              <a:shade val="50000"/>
+            </a:schemeClr>
+          </a:lnRef>
+          <a:fillRef idx="1">
+            <a:schemeClr val="accent1"/>
+          </a:fillRef>
+          <a:effectRef idx="0">
+            <a:schemeClr val="accent1"/>
+          </a:effectRef>
+          <a:fontRef idx="minor">
+            <a:schemeClr val="lt1"/>
+          </a:fontRef>
+        </p:style>
+        <p:txBody>
+          <a:bodyPr rtlCol="0" anchor="ctr"/>
+          <a:lstStyle/>
+          <a:p>
+            <a:pPr algn="ctr"/>
+            <a:endParaRPr lang="zh-TW" altLang="en-US"/>
+          </a:p>
+        </p:txBody>
+      </p:sp>
+      <p:sp>
+        <p:nvSpPr>
+          <p:cNvPr id="9" name="向右箭號 8"/>
+          <p:cNvSpPr/>
+          <p:nvPr/>
+        </p:nvSpPr>
+        <p:spPr>
+          <a:xfrm>
+            <a:off x="5905144" y="5332576"/>
+            <a:ext cx="487110" cy="367469"/>
+          </a:xfrm>
+          <a:prstGeom prst="rightArrow">
+            <a:avLst/>
+          </a:prstGeom>
+        </p:spPr>
+        <p:style>
+          <a:lnRef idx="2">
+            <a:schemeClr val="accent1">
+              <a:shade val="50000"/>
+            </a:schemeClr>
+          </a:lnRef>
+          <a:fillRef idx="1">
+            <a:schemeClr val="accent1"/>
+          </a:fillRef>
+          <a:effectRef idx="0">
+            <a:schemeClr val="accent1"/>
+          </a:effectRef>
+          <a:fontRef idx="minor">
+            <a:schemeClr val="lt1"/>
+          </a:fontRef>
+        </p:style>
+        <p:txBody>
+          <a:bodyPr rtlCol="0" anchor="ctr"/>
+          <a:lstStyle/>
+          <a:p>
+            <a:pPr algn="ctr"/>
+            <a:endParaRPr lang="zh-TW" altLang="en-US"/>
+          </a:p>
+        </p:txBody>
+      </p:sp>
+      <p:sp>
+        <p:nvSpPr>
+          <p:cNvPr id="10" name="矩形 9"/>
+          <p:cNvSpPr/>
+          <p:nvPr/>
+        </p:nvSpPr>
+        <p:spPr>
+          <a:xfrm>
+            <a:off x="4375447" y="5153114"/>
+            <a:ext cx="1461331" cy="666572"/>
+          </a:xfrm>
+          <a:prstGeom prst="rect">
+            <a:avLst/>
+          </a:prstGeom>
+        </p:spPr>
+        <p:style>
+          <a:lnRef idx="2">
+            <a:schemeClr val="accent1">
+              <a:shade val="50000"/>
+            </a:schemeClr>
+          </a:lnRef>
+          <a:fillRef idx="1">
+            <a:schemeClr val="accent1"/>
+          </a:fillRef>
+          <a:effectRef idx="0">
+            <a:schemeClr val="accent1"/>
+          </a:effectRef>
+          <a:fontRef idx="minor">
+            <a:schemeClr val="lt1"/>
+          </a:fontRef>
+        </p:style>
+        <p:txBody>
+          <a:bodyPr rtlCol="0" anchor="ctr"/>
+          <a:lstStyle/>
+          <a:p>
+            <a:pPr algn="ctr"/>
+            <a:endParaRPr lang="zh-TW" altLang="en-US"/>
+          </a:p>
+        </p:txBody>
+      </p:sp>
+      <p:sp>
+        <p:nvSpPr>
+          <p:cNvPr id="11" name="文字方塊 10"/>
+          <p:cNvSpPr txBox="1"/>
+          <p:nvPr/>
+        </p:nvSpPr>
+        <p:spPr>
+          <a:xfrm>
+            <a:off x="4375447" y="5153114"/>
+            <a:ext cx="1461331" cy="646331"/>
+          </a:xfrm>
+          <a:prstGeom prst="rect">
+            <a:avLst/>
+          </a:prstGeom>
+          <a:noFill/>
+        </p:spPr>
+        <p:txBody>
+          <a:bodyPr wrap="square" rtlCol="0">
+            <a:spAutoFit/>
+          </a:bodyPr>
+          <a:lstStyle/>
+          <a:p>
+            <a:r>
+              <a:rPr lang="zh-TW" altLang="en-US" dirty="0"/>
+              <a:t>未</a:t>
+            </a:r>
+            <a:r>
+              <a:rPr lang="zh-TW" altLang="en-US" dirty="0" smtClean="0"/>
+              <a:t>跑出平均值，待修改</a:t>
+            </a:r>
+            <a:endParaRPr lang="zh-TW" altLang="en-US" dirty="0"/>
+          </a:p>
+        </p:txBody>
+      </p:sp>
     </p:spTree>
     <p:extLst>
       <p:ext uri="{BB962C8B-B14F-4D97-AF65-F5344CB8AC3E}">
@@ -6454,7 +6802,7 @@
           <p:cNvPr id="2" name="矩形 1">
             <a:extLst>
               <a:ext uri="{FF2B5EF4-FFF2-40B4-BE49-F238E27FC236}">
-                <a16:creationId xmlns:a16="http://schemas.microsoft.com/office/drawing/2014/main" xmlns="" id="{6130B33B-FCB5-4AFA-8175-BA08126D80E1}"/>
+                <a16:creationId xmlns="" xmlns:a16="http://schemas.microsoft.com/office/drawing/2014/main" id="{6130B33B-FCB5-4AFA-8175-BA08126D80E1}"/>
               </a:ext>
             </a:extLst>
           </p:cNvPr>
@@ -6512,7 +6860,7 @@
           <p:cNvPr id="3" name="组合 2">
             <a:extLst>
               <a:ext uri="{FF2B5EF4-FFF2-40B4-BE49-F238E27FC236}">
-                <a16:creationId xmlns:a16="http://schemas.microsoft.com/office/drawing/2014/main" xmlns="" id="{CF3B8F59-C87E-48F7-911B-3FCC3B1922F9}"/>
+                <a16:creationId xmlns="" xmlns:a16="http://schemas.microsoft.com/office/drawing/2014/main" id="{CF3B8F59-C87E-48F7-911B-3FCC3B1922F9}"/>
               </a:ext>
             </a:extLst>
           </p:cNvPr>
@@ -6532,7 +6880,7 @@
             <p:cNvPr id="4" name="文本框 3">
               <a:extLst>
                 <a:ext uri="{FF2B5EF4-FFF2-40B4-BE49-F238E27FC236}">
-                  <a16:creationId xmlns:a16="http://schemas.microsoft.com/office/drawing/2014/main" xmlns="" id="{F069F7C5-7C6B-4416-BA43-7E9FF2B95F70}"/>
+                  <a16:creationId xmlns="" xmlns:a16="http://schemas.microsoft.com/office/drawing/2014/main" id="{F069F7C5-7C6B-4416-BA43-7E9FF2B95F70}"/>
                 </a:ext>
               </a:extLst>
             </p:cNvPr>
@@ -6575,7 +6923,7 @@
             <p:cNvPr id="5" name="文本框 4">
               <a:extLst>
                 <a:ext uri="{FF2B5EF4-FFF2-40B4-BE49-F238E27FC236}">
-                  <a16:creationId xmlns:a16="http://schemas.microsoft.com/office/drawing/2014/main" xmlns="" id="{E7404F6D-3A40-4203-8F0A-6169C74FB4CA}"/>
+                  <a16:creationId xmlns="" xmlns:a16="http://schemas.microsoft.com/office/drawing/2014/main" id="{E7404F6D-3A40-4203-8F0A-6169C74FB4CA}"/>
                 </a:ext>
               </a:extLst>
             </p:cNvPr>
@@ -6621,6 +6969,62 @@
           </p:txBody>
         </p:sp>
       </p:grpSp>
+      <p:sp>
+        <p:nvSpPr>
+          <p:cNvPr id="6" name="文字方塊 5"/>
+          <p:cNvSpPr txBox="1"/>
+          <p:nvPr/>
+        </p:nvSpPr>
+        <p:spPr>
+          <a:xfrm>
+            <a:off x="4742918" y="2717563"/>
+            <a:ext cx="3010964" cy="1200329"/>
+          </a:xfrm>
+          <a:prstGeom prst="rect">
+            <a:avLst/>
+          </a:prstGeom>
+          <a:noFill/>
+        </p:spPr>
+        <p:txBody>
+          <a:bodyPr wrap="square" rtlCol="0">
+            <a:spAutoFit/>
+          </a:bodyPr>
+          <a:lstStyle/>
+          <a:p>
+            <a:pPr marL="342900" indent="-342900">
+              <a:buFont typeface="Wingdings" panose="05000000000000000000" pitchFamily="2" charset="2"/>
+              <a:buChar char="l"/>
+            </a:pPr>
+            <a:r>
+              <a:rPr lang="zh-TW" altLang="en-US" sz="2400" dirty="0" smtClean="0"/>
+              <a:t>找總監討論系統</a:t>
+            </a:r>
+            <a:endParaRPr lang="en-US" altLang="zh-TW" sz="2400" dirty="0" smtClean="0"/>
+          </a:p>
+          <a:p>
+            <a:pPr marL="342900" indent="-342900">
+              <a:buFont typeface="Wingdings" panose="05000000000000000000" pitchFamily="2" charset="2"/>
+              <a:buChar char="l"/>
+            </a:pPr>
+            <a:endParaRPr lang="en-US" altLang="zh-TW" sz="2400" dirty="0" smtClean="0"/>
+          </a:p>
+          <a:p>
+            <a:pPr marL="342900" indent="-342900">
+              <a:buFont typeface="Wingdings" panose="05000000000000000000" pitchFamily="2" charset="2"/>
+              <a:buChar char="l"/>
+            </a:pPr>
+            <a:r>
+              <a:rPr lang="zh-TW" altLang="en-US" sz="2400" dirty="0" smtClean="0"/>
+              <a:t>修改系統</a:t>
+            </a:r>
+            <a:r>
+              <a:rPr lang="en-US" altLang="zh-TW" sz="2400" dirty="0" smtClean="0"/>
+              <a:t>BUG</a:t>
+            </a:r>
+            <a:endParaRPr lang="zh-TW" altLang="en-US" sz="2400" dirty="0"/>
+          </a:p>
+        </p:txBody>
+      </p:sp>
     </p:spTree>
     <p:extLst>
       <p:ext uri="{BB962C8B-B14F-4D97-AF65-F5344CB8AC3E}">
@@ -6807,7 +7211,7 @@
           <p:cNvPr id="18" name="矩形: 圆角 17">
             <a:extLst>
               <a:ext uri="{FF2B5EF4-FFF2-40B4-BE49-F238E27FC236}">
-                <a16:creationId xmlns:a16="http://schemas.microsoft.com/office/drawing/2014/main" xmlns="" id="{822EAB1A-0613-4B84-B43A-020769A84C2F}"/>
+                <a16:creationId xmlns="" xmlns:a16="http://schemas.microsoft.com/office/drawing/2014/main" id="{822EAB1A-0613-4B84-B43A-020769A84C2F}"/>
               </a:ext>
             </a:extLst>
           </p:cNvPr>
@@ -6898,7 +7302,7 @@
           <p:cNvPr id="4" name="矩形: 圆角 3">
             <a:extLst>
               <a:ext uri="{FF2B5EF4-FFF2-40B4-BE49-F238E27FC236}">
-                <a16:creationId xmlns:a16="http://schemas.microsoft.com/office/drawing/2014/main" xmlns="" id="{CFAF4C25-9AB4-4329-B21C-0F7CB88F0784}"/>
+                <a16:creationId xmlns="" xmlns:a16="http://schemas.microsoft.com/office/drawing/2014/main" id="{CFAF4C25-9AB4-4329-B21C-0F7CB88F0784}"/>
               </a:ext>
             </a:extLst>
           </p:cNvPr>
@@ -6989,7 +7393,7 @@
           <p:cNvPr id="7" name="文本框 6">
             <a:extLst>
               <a:ext uri="{FF2B5EF4-FFF2-40B4-BE49-F238E27FC236}">
-                <a16:creationId xmlns:a16="http://schemas.microsoft.com/office/drawing/2014/main" xmlns="" id="{D2947702-0219-4F74-958A-0A5A704ECCC4}"/>
+                <a16:creationId xmlns="" xmlns:a16="http://schemas.microsoft.com/office/drawing/2014/main" id="{D2947702-0219-4F74-958A-0A5A704ECCC4}"/>
               </a:ext>
             </a:extLst>
           </p:cNvPr>
@@ -7066,7 +7470,7 @@
           <p:cNvPr id="8" name="椭圆 7">
             <a:extLst>
               <a:ext uri="{FF2B5EF4-FFF2-40B4-BE49-F238E27FC236}">
-                <a16:creationId xmlns:a16="http://schemas.microsoft.com/office/drawing/2014/main" xmlns="" id="{08B93554-9443-4291-83BC-91BEC5088783}"/>
+                <a16:creationId xmlns="" xmlns:a16="http://schemas.microsoft.com/office/drawing/2014/main" id="{08B93554-9443-4291-83BC-91BEC5088783}"/>
               </a:ext>
             </a:extLst>
           </p:cNvPr>
@@ -7153,7 +7557,7 @@
           <p:cNvPr id="9" name="椭圆 8">
             <a:extLst>
               <a:ext uri="{FF2B5EF4-FFF2-40B4-BE49-F238E27FC236}">
-                <a16:creationId xmlns:a16="http://schemas.microsoft.com/office/drawing/2014/main" xmlns="" id="{16338DEE-2916-4AC7-A537-1507B9F2A824}"/>
+                <a16:creationId xmlns="" xmlns:a16="http://schemas.microsoft.com/office/drawing/2014/main" id="{16338DEE-2916-4AC7-A537-1507B9F2A824}"/>
               </a:ext>
             </a:extLst>
           </p:cNvPr>
@@ -7254,7 +7658,7 @@
         <p:random/>
       </p:transition>
     </mc:Choice>
-    <mc:Fallback xmlns="" xmlns:a16="http://schemas.microsoft.com/office/drawing/2014/main">
+    <mc:Fallback xmlns:a16="http://schemas.microsoft.com/office/drawing/2014/main" xmlns="">
       <p:transition spd="slow" advTm="3880">
         <p:random/>
       </p:transition>
@@ -7608,7 +8012,7 @@
   <a:extraClrSchemeLst/>
   <a:extLst>
     <a:ext uri="{05A4C25C-085E-4340-85A3-A5531E510DB2}">
-      <thm15:themeFamily xmlns:thm15="http://schemas.microsoft.com/office/thememl/2012/main" xmlns="" name="Office Theme" id="{62F939B6-93AF-4DB8-9C6B-D6C7DFDC589F}" vid="{4A3C46E8-61CC-4603-A589-7422A47A8E4A}"/>
+      <thm15:themeFamily xmlns="" xmlns:thm15="http://schemas.microsoft.com/office/thememl/2012/main" name="Office Theme" id="{62F939B6-93AF-4DB8-9C6B-D6C7DFDC589F}" vid="{4A3C46E8-61CC-4603-A589-7422A47A8E4A}"/>
     </a:ext>
   </a:extLst>
 </a:theme>
@@ -8154,7 +8558,7 @@
   <a:extraClrSchemeLst/>
   <a:extLst>
     <a:ext uri="{05A4C25C-085E-4340-85A3-A5531E510DB2}">
-      <thm15:themeFamily xmlns:thm15="http://schemas.microsoft.com/office/thememl/2012/main" xmlns="" name="Office Theme" id="{62F939B6-93AF-4DB8-9C6B-D6C7DFDC589F}" vid="{4A3C46E8-61CC-4603-A589-7422A47A8E4A}"/>
+      <thm15:themeFamily xmlns="" xmlns:thm15="http://schemas.microsoft.com/office/thememl/2012/main" name="Office Theme" id="{62F939B6-93AF-4DB8-9C6B-D6C7DFDC589F}" vid="{4A3C46E8-61CC-4603-A589-7422A47A8E4A}"/>
     </a:ext>
   </a:extLst>
 </a:theme>
